--- a/Document/2017_Script_2012182007_김형중_김희승(중간발표).pptx
+++ b/Document/2017_Script_2012182007_김형중_김희승(중간발표).pptx
@@ -217,7 +217,7 @@
           <a:p>
             <a:fld id="{460C5737-36BB-42D3-B3D7-8594A9C6043A}" type="datetimeFigureOut">
               <a:rPr lang="ko-KR" altLang="en-US" smtClean="0"/>
-              <a:t>2017-05-30</a:t>
+              <a:t>2017-06-17</a:t>
             </a:fld>
             <a:endParaRPr lang="ko-KR" altLang="en-US"/>
           </a:p>
@@ -3385,7 +3385,7 @@
                 <a:latin typeface="나눔명조" panose="02020603020101020101" pitchFamily="18" charset="-127"/>
                 <a:ea typeface="나눔명조" panose="02020603020101020101" pitchFamily="18" charset="-127"/>
               </a:rPr>
-              <a:t>Smart Phone Game Programming</a:t>
+              <a:t>Script</a:t>
             </a:r>
           </a:p>
           <a:p>
@@ -3394,7 +3394,21 @@
                 <a:latin typeface="나눔명조" panose="02020603020101020101" pitchFamily="18" charset="-127"/>
                 <a:ea typeface="나눔명조" panose="02020603020101020101" pitchFamily="18" charset="-127"/>
               </a:rPr>
-              <a:t>Term Project(Face Analysis)</a:t>
+              <a:t>Term Project(</a:t>
+            </a:r>
+            <a:r>
+              <a:rPr lang="ko-KR" altLang="en-US" dirty="0">
+                <a:latin typeface="나눔명조" panose="02020603020101020101" pitchFamily="18" charset="-127"/>
+                <a:ea typeface="나눔명조" panose="02020603020101020101" pitchFamily="18" charset="-127"/>
+              </a:rPr>
+              <a:t>연예인 닮은꼴 찾기</a:t>
+            </a:r>
+            <a:r>
+              <a:rPr lang="en-US" altLang="ko-KR" dirty="0">
+                <a:latin typeface="나눔명조" panose="02020603020101020101" pitchFamily="18" charset="-127"/>
+                <a:ea typeface="나눔명조" panose="02020603020101020101" pitchFamily="18" charset="-127"/>
+              </a:rPr>
+              <a:t>)</a:t>
             </a:r>
             <a:endParaRPr lang="ko-KR" altLang="en-US" dirty="0">
               <a:latin typeface="나눔명조" panose="02020603020101020101" pitchFamily="18" charset="-127"/>
@@ -3678,7 +3692,7 @@
                 <a:latin typeface="나눔명조" panose="02020603020101020101" pitchFamily="18" charset="-127"/>
                 <a:ea typeface="나눔명조" panose="02020603020101020101" pitchFamily="18" charset="-127"/>
               </a:rPr>
-              <a:t>Smart Phone Game Programming</a:t>
+              <a:t>Script</a:t>
             </a:r>
           </a:p>
           <a:p>
@@ -3687,7 +3701,21 @@
                 <a:latin typeface="나눔명조" panose="02020603020101020101" pitchFamily="18" charset="-127"/>
                 <a:ea typeface="나눔명조" panose="02020603020101020101" pitchFamily="18" charset="-127"/>
               </a:rPr>
-              <a:t>Term Project(Face Analysis)</a:t>
+              <a:t>Term Project(</a:t>
+            </a:r>
+            <a:r>
+              <a:rPr lang="ko-KR" altLang="en-US" dirty="0">
+                <a:latin typeface="나눔명조" panose="02020603020101020101" pitchFamily="18" charset="-127"/>
+                <a:ea typeface="나눔명조" panose="02020603020101020101" pitchFamily="18" charset="-127"/>
+              </a:rPr>
+              <a:t>연예인 닮은꼴 찾기</a:t>
+            </a:r>
+            <a:r>
+              <a:rPr lang="en-US" altLang="ko-KR" dirty="0">
+                <a:latin typeface="나눔명조" panose="02020603020101020101" pitchFamily="18" charset="-127"/>
+                <a:ea typeface="나눔명조" panose="02020603020101020101" pitchFamily="18" charset="-127"/>
+              </a:rPr>
+              <a:t>)</a:t>
             </a:r>
             <a:endParaRPr lang="ko-KR" altLang="en-US" dirty="0">
               <a:latin typeface="나눔명조" panose="02020603020101020101" pitchFamily="18" charset="-127"/>
@@ -4242,14 +4270,14 @@
           <p:nvPr>
             <p:extLst>
               <p:ext uri="{D42A27DB-BD31-4B8C-83A1-F6EECF244321}">
-                <p14:modId xmlns:p14="http://schemas.microsoft.com/office/powerpoint/2010/main" val="1553361526"/>
+                <p14:modId xmlns:p14="http://schemas.microsoft.com/office/powerpoint/2010/main" val="691078220"/>
               </p:ext>
             </p:extLst>
           </p:nvPr>
         </p:nvGraphicFramePr>
         <p:xfrm>
           <a:off x="719999" y="1944427"/>
-          <a:ext cx="9000001" cy="5112568"/>
+          <a:ext cx="9000001" cy="5140961"/>
         </p:xfrm>
         <a:graphic>
           <a:graphicData uri="http://schemas.openxmlformats.org/drawingml/2006/table">
@@ -5482,25 +5510,18 @@
                     <a:p>
                       <a:pPr algn="ctr" latinLnBrk="1"/>
                       <a:r>
+                        <a:rPr lang="en-US" altLang="ko-KR" sz="1100" dirty="0">
+                          <a:latin typeface="나눔명조" panose="02020603020101020101" pitchFamily="18" charset="-127"/>
+                          <a:ea typeface="나눔명조" panose="02020603020101020101" pitchFamily="18" charset="-127"/>
+                        </a:rPr>
+                        <a:t>Prototype</a:t>
+                      </a:r>
+                      <a:r>
                         <a:rPr lang="ko-KR" altLang="en-US" sz="1100" dirty="0">
                           <a:latin typeface="나눔명조" panose="02020603020101020101" pitchFamily="18" charset="-127"/>
                           <a:ea typeface="나눔명조" panose="02020603020101020101" pitchFamily="18" charset="-127"/>
                         </a:rPr>
-                        <a:t>랭킹 시스템</a:t>
-                      </a:r>
-                      <a:r>
-                        <a:rPr lang="en-US" altLang="ko-KR" sz="1100" dirty="0">
-                          <a:latin typeface="나눔명조" panose="02020603020101020101" pitchFamily="18" charset="-127"/>
-                          <a:ea typeface="나눔명조" panose="02020603020101020101" pitchFamily="18" charset="-127"/>
-                        </a:rPr>
-                        <a:t>, Gmail</a:t>
-                      </a:r>
-                      <a:r>
-                        <a:rPr lang="ko-KR" altLang="en-US" sz="1100" dirty="0">
-                          <a:latin typeface="나눔명조" panose="02020603020101020101" pitchFamily="18" charset="-127"/>
-                          <a:ea typeface="나눔명조" panose="02020603020101020101" pitchFamily="18" charset="-127"/>
-                        </a:rPr>
-                        <a:t> 추가</a:t>
+                        <a:t> 구현 완료</a:t>
                       </a:r>
                     </a:p>
                   </a:txBody>
@@ -5529,48 +5550,48 @@
                         <a:defRPr/>
                       </a:pPr>
                       <a:r>
-                        <a:rPr lang="ko-KR" altLang="en-US" sz="1100">
-                          <a:latin typeface="나눔명조" panose="02020603020101020101" pitchFamily="18" charset="-127"/>
-                          <a:ea typeface="나눔명조" panose="02020603020101020101" pitchFamily="18" charset="-127"/>
-                        </a:rPr>
-                        <a:t>데이터 추가 및 갱신 기능 구현</a:t>
-                      </a:r>
-                      <a:endParaRPr lang="en-US" altLang="ko-KR" sz="1100">
+                        <a:rPr lang="en-US" altLang="ko-KR" sz="1100" dirty="0">
+                          <a:latin typeface="나눔명조" panose="02020603020101020101" pitchFamily="18" charset="-127"/>
+                          <a:ea typeface="나눔명조" panose="02020603020101020101" pitchFamily="18" charset="-127"/>
+                        </a:rPr>
+                        <a:t>Prototype</a:t>
+                      </a:r>
+                      <a:r>
+                        <a:rPr lang="ko-KR" altLang="en-US" sz="1100" dirty="0">
+                          <a:latin typeface="나눔명조" panose="02020603020101020101" pitchFamily="18" charset="-127"/>
+                          <a:ea typeface="나눔명조" panose="02020603020101020101" pitchFamily="18" charset="-127"/>
+                        </a:rPr>
+                        <a:t> 구현 완료</a:t>
+                      </a:r>
+                      <a:endParaRPr lang="en-US" altLang="ko-KR" sz="1100" dirty="0">
                         <a:latin typeface="나눔명조" panose="02020603020101020101" pitchFamily="18" charset="-127"/>
                         <a:ea typeface="나눔명조" panose="02020603020101020101" pitchFamily="18" charset="-127"/>
                       </a:endParaRPr>
                     </a:p>
                     <a:p>
-                      <a:pPr marL="0" indent="0" latinLnBrk="1">
+                      <a:pPr marL="0" marR="0" lvl="0" indent="0" algn="l" defTabSz="1043056" rtl="0" eaLnBrk="1" fontAlgn="auto" latinLnBrk="1" hangingPunct="1">
+                        <a:lnSpc>
+                          <a:spcPct val="100000"/>
+                        </a:lnSpc>
+                        <a:spcBef>
+                          <a:spcPts val="0"/>
+                        </a:spcBef>
+                        <a:spcAft>
+                          <a:spcPts val="0"/>
+                        </a:spcAft>
+                        <a:buClrTx/>
+                        <a:buSzTx/>
+                        <a:buFontTx/>
                         <a:buNone/>
+                        <a:tabLst/>
+                        <a:defRPr/>
                       </a:pPr>
                       <a:r>
-                        <a:rPr lang="en-US" altLang="ko-KR" sz="1100" dirty="0">
-                          <a:latin typeface="나눔명조" panose="02020603020101020101" pitchFamily="18" charset="-127"/>
-                          <a:ea typeface="나눔명조" panose="02020603020101020101" pitchFamily="18" charset="-127"/>
-                        </a:rPr>
-                        <a:t>Prototype</a:t>
-                      </a:r>
-                      <a:r>
                         <a:rPr lang="ko-KR" altLang="en-US" sz="1100" dirty="0">
                           <a:latin typeface="나눔명조" panose="02020603020101020101" pitchFamily="18" charset="-127"/>
                           <a:ea typeface="나눔명조" panose="02020603020101020101" pitchFamily="18" charset="-127"/>
                         </a:rPr>
-                        <a:t>에 랭킹 시스템 및 결과 화면 </a:t>
-                      </a:r>
-                      <a:r>
-                        <a:rPr lang="en-US" altLang="ko-KR" sz="1100" dirty="0">
-                          <a:latin typeface="나눔명조" panose="02020603020101020101" pitchFamily="18" charset="-127"/>
-                          <a:ea typeface="나눔명조" panose="02020603020101020101" pitchFamily="18" charset="-127"/>
-                        </a:rPr>
-                        <a:t>Gmail </a:t>
-                      </a:r>
-                      <a:r>
-                        <a:rPr lang="ko-KR" altLang="en-US" sz="1100" dirty="0">
-                          <a:latin typeface="나눔명조" panose="02020603020101020101" pitchFamily="18" charset="-127"/>
-                          <a:ea typeface="나눔명조" panose="02020603020101020101" pitchFamily="18" charset="-127"/>
-                        </a:rPr>
-                        <a:t>전송 기능 추가</a:t>
+                        <a:t>데이터 추가 및 갱신 기능 구현</a:t>
                       </a:r>
                     </a:p>
                   </a:txBody>
@@ -5616,98 +5637,6 @@
                           <a:ea typeface="나눔명조" panose="02020603020101020101" pitchFamily="18" charset="-127"/>
                         </a:rPr>
                         <a:t>(6.7 ~ 6.13)</a:t>
-                      </a:r>
-                      <a:endParaRPr lang="ko-KR" altLang="en-US" sz="1200" dirty="0">
-                        <a:latin typeface="나눔명조" panose="02020603020101020101" pitchFamily="18" charset="-127"/>
-                        <a:ea typeface="나눔명조" panose="02020603020101020101" pitchFamily="18" charset="-127"/>
-                      </a:endParaRPr>
-                    </a:p>
-                  </a:txBody>
-                  <a:tcPr anchor="ctr"/>
-                </a:tc>
-                <a:tc>
-                  <a:txBody>
-                    <a:bodyPr/>
-                    <a:lstStyle/>
-                    <a:p>
-                      <a:pPr algn="ctr" latinLnBrk="1"/>
-                      <a:r>
-                        <a:rPr lang="ko-KR" altLang="en-US" sz="1100" dirty="0">
-                          <a:latin typeface="나눔명조" panose="02020603020101020101" pitchFamily="18" charset="-127"/>
-                          <a:ea typeface="나눔명조" panose="02020603020101020101" pitchFamily="18" charset="-127"/>
-                        </a:rPr>
-                        <a:t>최종 검수</a:t>
-                      </a:r>
-                    </a:p>
-                  </a:txBody>
-                  <a:tcPr anchor="ctr"/>
-                </a:tc>
-                <a:tc>
-                  <a:txBody>
-                    <a:bodyPr/>
-                    <a:lstStyle/>
-                    <a:p>
-                      <a:pPr marL="0" indent="0" latinLnBrk="1">
-                        <a:buNone/>
-                      </a:pPr>
-                      <a:r>
-                        <a:rPr lang="ko-KR" altLang="en-US" sz="1100" dirty="0" err="1">
-                          <a:latin typeface="나눔명조" panose="02020603020101020101" pitchFamily="18" charset="-127"/>
-                          <a:ea typeface="나눔명조" panose="02020603020101020101" pitchFamily="18" charset="-127"/>
-                        </a:rPr>
-                        <a:t>미비된</a:t>
-                      </a:r>
-                      <a:r>
-                        <a:rPr lang="ko-KR" altLang="en-US" sz="1100" dirty="0">
-                          <a:latin typeface="나눔명조" panose="02020603020101020101" pitchFamily="18" charset="-127"/>
-                          <a:ea typeface="나눔명조" panose="02020603020101020101" pitchFamily="18" charset="-127"/>
-                        </a:rPr>
-                        <a:t> 작업 및 최적화</a:t>
-                      </a:r>
-                    </a:p>
-                  </a:txBody>
-                  <a:tcPr anchor="ctr"/>
-                </a:tc>
-                <a:extLst>
-                  <a:ext uri="{0D108BD9-81ED-4DB2-BD59-A6C34878D82A}">
-                    <a16:rowId xmlns:a16="http://schemas.microsoft.com/office/drawing/2014/main" val="3290525852"/>
-                  </a:ext>
-                </a:extLst>
-              </a:tr>
-              <a:tr h="565967">
-                <a:tc>
-                  <a:txBody>
-                    <a:bodyPr/>
-                    <a:lstStyle/>
-                    <a:p>
-                      <a:pPr algn="ctr" latinLnBrk="1"/>
-                      <a:r>
-                        <a:rPr lang="en-US" altLang="ko-KR" sz="1200" dirty="0">
-                          <a:latin typeface="나눔명조" panose="02020603020101020101" pitchFamily="18" charset="-127"/>
-                          <a:ea typeface="나눔명조" panose="02020603020101020101" pitchFamily="18" charset="-127"/>
-                        </a:rPr>
-                        <a:t>15</a:t>
-                      </a:r>
-                      <a:r>
-                        <a:rPr lang="ko-KR" altLang="en-US" sz="1200" dirty="0">
-                          <a:latin typeface="나눔명조" panose="02020603020101020101" pitchFamily="18" charset="-127"/>
-                          <a:ea typeface="나눔명조" panose="02020603020101020101" pitchFamily="18" charset="-127"/>
-                        </a:rPr>
-                        <a:t>주차</a:t>
-                      </a:r>
-                      <a:endParaRPr lang="en-US" altLang="ko-KR" sz="1200" dirty="0">
-                        <a:latin typeface="나눔명조" panose="02020603020101020101" pitchFamily="18" charset="-127"/>
-                        <a:ea typeface="나눔명조" panose="02020603020101020101" pitchFamily="18" charset="-127"/>
-                      </a:endParaRPr>
-                    </a:p>
-                    <a:p>
-                      <a:pPr algn="ctr" latinLnBrk="1"/>
-                      <a:r>
-                        <a:rPr lang="en-US" altLang="ko-KR" sz="1200" dirty="0">
-                          <a:latin typeface="나눔명조" panose="02020603020101020101" pitchFamily="18" charset="-127"/>
-                          <a:ea typeface="나눔명조" panose="02020603020101020101" pitchFamily="18" charset="-127"/>
-                        </a:rPr>
-                        <a:t>(6.14 ~ 6.20)</a:t>
                       </a:r>
                       <a:endParaRPr lang="ko-KR" altLang="en-US" sz="1200" dirty="0">
                         <a:latin typeface="나눔명조" panose="02020603020101020101" pitchFamily="18" charset="-127"/>
@@ -5744,6 +5673,190 @@
                           <a:latin typeface="나눔명조" panose="02020603020101020101" pitchFamily="18" charset="-127"/>
                           <a:ea typeface="나눔명조" panose="02020603020101020101" pitchFamily="18" charset="-127"/>
                         </a:rPr>
+                        <a:t>랭킹 시스템</a:t>
+                      </a:r>
+                      <a:r>
+                        <a:rPr lang="en-US" altLang="ko-KR" sz="1100" dirty="0">
+                          <a:latin typeface="나눔명조" panose="02020603020101020101" pitchFamily="18" charset="-127"/>
+                          <a:ea typeface="나눔명조" panose="02020603020101020101" pitchFamily="18" charset="-127"/>
+                        </a:rPr>
+                        <a:t>, Gmail</a:t>
+                      </a:r>
+                      <a:r>
+                        <a:rPr lang="ko-KR" altLang="en-US" sz="1100" dirty="0">
+                          <a:latin typeface="나눔명조" panose="02020603020101020101" pitchFamily="18" charset="-127"/>
+                          <a:ea typeface="나눔명조" panose="02020603020101020101" pitchFamily="18" charset="-127"/>
+                        </a:rPr>
+                        <a:t> 추가</a:t>
+                      </a:r>
+                    </a:p>
+                  </a:txBody>
+                  <a:tcPr anchor="ctr"/>
+                </a:tc>
+                <a:tc>
+                  <a:txBody>
+                    <a:bodyPr/>
+                    <a:lstStyle/>
+                    <a:p>
+                      <a:pPr marL="0" marR="0" lvl="0" indent="0" algn="l" defTabSz="1043056" rtl="0" eaLnBrk="1" fontAlgn="auto" latinLnBrk="1" hangingPunct="1">
+                        <a:lnSpc>
+                          <a:spcPct val="100000"/>
+                        </a:lnSpc>
+                        <a:spcBef>
+                          <a:spcPts val="0"/>
+                        </a:spcBef>
+                        <a:spcAft>
+                          <a:spcPts val="0"/>
+                        </a:spcAft>
+                        <a:buClrTx/>
+                        <a:buSzTx/>
+                        <a:buFontTx/>
+                        <a:buNone/>
+                        <a:tabLst/>
+                        <a:defRPr/>
+                      </a:pPr>
+                      <a:r>
+                        <a:rPr lang="en-US" altLang="ko-KR" sz="1100" dirty="0">
+                          <a:latin typeface="나눔명조" panose="02020603020101020101" pitchFamily="18" charset="-127"/>
+                          <a:ea typeface="나눔명조" panose="02020603020101020101" pitchFamily="18" charset="-127"/>
+                        </a:rPr>
+                        <a:t>Prototype</a:t>
+                      </a:r>
+                      <a:r>
+                        <a:rPr lang="ko-KR" altLang="en-US" sz="1100" dirty="0">
+                          <a:latin typeface="나눔명조" panose="02020603020101020101" pitchFamily="18" charset="-127"/>
+                          <a:ea typeface="나눔명조" panose="02020603020101020101" pitchFamily="18" charset="-127"/>
+                        </a:rPr>
+                        <a:t>에 랭킹 시스템 및 결과 화면 </a:t>
+                      </a:r>
+                      <a:r>
+                        <a:rPr lang="en-US" altLang="ko-KR" sz="1100" dirty="0">
+                          <a:latin typeface="나눔명조" panose="02020603020101020101" pitchFamily="18" charset="-127"/>
+                          <a:ea typeface="나눔명조" panose="02020603020101020101" pitchFamily="18" charset="-127"/>
+                        </a:rPr>
+                        <a:t>Gmail </a:t>
+                      </a:r>
+                      <a:r>
+                        <a:rPr lang="ko-KR" altLang="en-US" sz="1100" dirty="0">
+                          <a:latin typeface="나눔명조" panose="02020603020101020101" pitchFamily="18" charset="-127"/>
+                          <a:ea typeface="나눔명조" panose="02020603020101020101" pitchFamily="18" charset="-127"/>
+                        </a:rPr>
+                        <a:t>전송 기능 추가</a:t>
+                      </a:r>
+                      <a:endParaRPr lang="en-US" altLang="ko-KR" sz="1100" dirty="0">
+                        <a:latin typeface="나눔명조" panose="02020603020101020101" pitchFamily="18" charset="-127"/>
+                        <a:ea typeface="나눔명조" panose="02020603020101020101" pitchFamily="18" charset="-127"/>
+                      </a:endParaRPr>
+                    </a:p>
+                  </a:txBody>
+                  <a:tcPr anchor="ctr"/>
+                </a:tc>
+                <a:extLst>
+                  <a:ext uri="{0D108BD9-81ED-4DB2-BD59-A6C34878D82A}">
+                    <a16:rowId xmlns:a16="http://schemas.microsoft.com/office/drawing/2014/main" val="3290525852"/>
+                  </a:ext>
+                </a:extLst>
+              </a:tr>
+              <a:tr h="565967">
+                <a:tc>
+                  <a:txBody>
+                    <a:bodyPr/>
+                    <a:lstStyle/>
+                    <a:p>
+                      <a:pPr algn="ctr" latinLnBrk="1"/>
+                      <a:r>
+                        <a:rPr lang="en-US" altLang="ko-KR" sz="1200">
+                          <a:latin typeface="나눔명조" panose="02020603020101020101" pitchFamily="18" charset="-127"/>
+                          <a:ea typeface="나눔명조" panose="02020603020101020101" pitchFamily="18" charset="-127"/>
+                        </a:rPr>
+                        <a:t>15</a:t>
+                      </a:r>
+                      <a:r>
+                        <a:rPr lang="ko-KR" altLang="en-US" sz="1200">
+                          <a:latin typeface="나눔명조" panose="02020603020101020101" pitchFamily="18" charset="-127"/>
+                          <a:ea typeface="나눔명조" panose="02020603020101020101" pitchFamily="18" charset="-127"/>
+                        </a:rPr>
+                        <a:t>주차</a:t>
+                      </a:r>
+                      <a:endParaRPr lang="en-US" altLang="ko-KR" sz="1200">
+                        <a:latin typeface="나눔명조" panose="02020603020101020101" pitchFamily="18" charset="-127"/>
+                        <a:ea typeface="나눔명조" panose="02020603020101020101" pitchFamily="18" charset="-127"/>
+                      </a:endParaRPr>
+                    </a:p>
+                    <a:p>
+                      <a:pPr algn="ctr" latinLnBrk="1"/>
+                      <a:r>
+                        <a:rPr lang="en-US" altLang="ko-KR" sz="1200">
+                          <a:latin typeface="나눔명조" panose="02020603020101020101" pitchFamily="18" charset="-127"/>
+                          <a:ea typeface="나눔명조" panose="02020603020101020101" pitchFamily="18" charset="-127"/>
+                        </a:rPr>
+                        <a:t>(6.14 ~ 6.20)</a:t>
+                      </a:r>
+                      <a:endParaRPr lang="ko-KR" altLang="en-US" sz="1200" dirty="0">
+                        <a:latin typeface="나눔명조" panose="02020603020101020101" pitchFamily="18" charset="-127"/>
+                        <a:ea typeface="나눔명조" panose="02020603020101020101" pitchFamily="18" charset="-127"/>
+                      </a:endParaRPr>
+                    </a:p>
+                  </a:txBody>
+                  <a:tcPr anchor="ctr"/>
+                </a:tc>
+                <a:tc>
+                  <a:txBody>
+                    <a:bodyPr/>
+                    <a:lstStyle/>
+                    <a:p>
+                      <a:pPr marL="0" marR="0" lvl="0" indent="0" algn="ctr" defTabSz="1043056" rtl="0" eaLnBrk="1" fontAlgn="auto" latinLnBrk="1" hangingPunct="1">
+                        <a:lnSpc>
+                          <a:spcPct val="100000"/>
+                        </a:lnSpc>
+                        <a:spcBef>
+                          <a:spcPts val="0"/>
+                        </a:spcBef>
+                        <a:spcAft>
+                          <a:spcPts val="0"/>
+                        </a:spcAft>
+                        <a:buClrTx/>
+                        <a:buSzTx/>
+                        <a:buFontTx/>
+                        <a:buNone/>
+                        <a:tabLst/>
+                        <a:defRPr/>
+                      </a:pPr>
+                      <a:r>
+                        <a:rPr lang="ko-KR" altLang="en-US" sz="1100" dirty="0">
+                          <a:latin typeface="나눔명조" panose="02020603020101020101" pitchFamily="18" charset="-127"/>
+                          <a:ea typeface="나눔명조" panose="02020603020101020101" pitchFamily="18" charset="-127"/>
+                        </a:rPr>
+                        <a:t>최종 검수 및</a:t>
+                      </a:r>
+                      <a:endParaRPr lang="en-US" altLang="ko-KR" sz="1100" dirty="0">
+                        <a:latin typeface="나눔명조" panose="02020603020101020101" pitchFamily="18" charset="-127"/>
+                        <a:ea typeface="나눔명조" panose="02020603020101020101" pitchFamily="18" charset="-127"/>
+                      </a:endParaRPr>
+                    </a:p>
+                    <a:p>
+                      <a:pPr marL="0" marR="0" lvl="0" indent="0" algn="ctr" defTabSz="1043056" rtl="0" eaLnBrk="1" fontAlgn="auto" latinLnBrk="1" hangingPunct="1">
+                        <a:lnSpc>
+                          <a:spcPct val="100000"/>
+                        </a:lnSpc>
+                        <a:spcBef>
+                          <a:spcPts val="0"/>
+                        </a:spcBef>
+                        <a:spcAft>
+                          <a:spcPts val="0"/>
+                        </a:spcAft>
+                        <a:buClrTx/>
+                        <a:buSzTx/>
+                        <a:buFontTx/>
+                        <a:buNone/>
+                        <a:tabLst/>
+                        <a:defRPr/>
+                      </a:pPr>
+                      <a:r>
+                        <a:rPr lang="ko-KR" altLang="en-US" sz="1100" dirty="0">
+                          <a:latin typeface="나눔명조" panose="02020603020101020101" pitchFamily="18" charset="-127"/>
+                          <a:ea typeface="나눔명조" panose="02020603020101020101" pitchFamily="18" charset="-127"/>
+                        </a:rPr>
                         <a:t>설치 파일 만들기</a:t>
                       </a:r>
                       <a:r>
@@ -5813,9 +5926,37 @@
                     <a:bodyPr/>
                     <a:lstStyle/>
                     <a:p>
-                      <a:pPr marL="0" indent="0" latinLnBrk="1">
+                      <a:pPr marL="0" marR="0" lvl="0" indent="0" algn="l" defTabSz="1043056" rtl="0" eaLnBrk="1" fontAlgn="auto" latinLnBrk="1" hangingPunct="1">
+                        <a:lnSpc>
+                          <a:spcPct val="100000"/>
+                        </a:lnSpc>
+                        <a:spcBef>
+                          <a:spcPts val="0"/>
+                        </a:spcBef>
+                        <a:spcAft>
+                          <a:spcPts val="0"/>
+                        </a:spcAft>
+                        <a:buClrTx/>
+                        <a:buSzTx/>
+                        <a:buFontTx/>
                         <a:buNone/>
+                        <a:tabLst/>
+                        <a:defRPr/>
                       </a:pPr>
+                      <a:r>
+                        <a:rPr lang="ko-KR" altLang="en-US" sz="1100" dirty="0" err="1">
+                          <a:latin typeface="나눔명조" panose="02020603020101020101" pitchFamily="18" charset="-127"/>
+                          <a:ea typeface="나눔명조" panose="02020603020101020101" pitchFamily="18" charset="-127"/>
+                        </a:rPr>
+                        <a:t>미비된</a:t>
+                      </a:r>
+                      <a:r>
+                        <a:rPr lang="ko-KR" altLang="en-US" sz="1100" dirty="0">
+                          <a:latin typeface="나눔명조" panose="02020603020101020101" pitchFamily="18" charset="-127"/>
+                          <a:ea typeface="나눔명조" panose="02020603020101020101" pitchFamily="18" charset="-127"/>
+                        </a:rPr>
+                        <a:t> 작업 및 최적화와 </a:t>
+                      </a:r>
                       <a:r>
                         <a:rPr lang="en-US" altLang="ko-KR" sz="1100" dirty="0" err="1">
                           <a:latin typeface="나눔명조" panose="02020603020101020101" pitchFamily="18" charset="-127"/>
